--- a/ADA442_Presentation.pptx
+++ b/ADA442_Presentation.pptx
@@ -24,13 +24,16 @@
       <p:boldItalic r:id="rId12"/>
     </p:embeddedFont>
     <p:embeddedFont>
-      <p:font typeface="Montserrat Bold" panose="00000800000000000000" pitchFamily="2" charset="0"/>
+      <p:font typeface="Montserrat Bold" pitchFamily="2" charset="77"/>
       <p:regular r:id="rId13"/>
       <p:bold r:id="rId14"/>
+      <p:italic r:id="rId15"/>
+      <p:boldItalic r:id="rId16"/>
     </p:embeddedFont>
     <p:embeddedFont>
-      <p:font typeface="Montserrat Semi-Bold" panose="020B0604020202020204" charset="0"/>
-      <p:regular r:id="rId15"/>
+      <p:font typeface="Montserrat Semi-Bold" pitchFamily="2" charset="77"/>
+      <p:regular r:id="rId17"/>
+      <p:bold r:id="rId18"/>
     </p:embeddedFont>
   </p:embeddedFontLst>
   <p:defaultTextStyle>
@@ -335,7 +338,7 @@
             <a:fld id="{1D8BD707-D9CF-40AE-B4C6-C98DA3205C09}" type="datetimeFigureOut">
               <a:rPr lang="en-US" smtClean="0"/>
               <a:pPr/>
-              <a:t>5/19/2025</a:t>
+              <a:t>5/20/25</a:t>
             </a:fld>
             <a:endParaRPr lang="en-US"/>
           </a:p>
@@ -500,7 +503,7 @@
             <a:fld id="{1D8BD707-D9CF-40AE-B4C6-C98DA3205C09}" type="datetimeFigureOut">
               <a:rPr lang="en-US" smtClean="0"/>
               <a:pPr/>
-              <a:t>5/19/2025</a:t>
+              <a:t>5/20/25</a:t>
             </a:fld>
             <a:endParaRPr lang="en-US"/>
           </a:p>
@@ -675,7 +678,7 @@
             <a:fld id="{1D8BD707-D9CF-40AE-B4C6-C98DA3205C09}" type="datetimeFigureOut">
               <a:rPr lang="en-US" smtClean="0"/>
               <a:pPr/>
-              <a:t>5/19/2025</a:t>
+              <a:t>5/20/25</a:t>
             </a:fld>
             <a:endParaRPr lang="en-US"/>
           </a:p>
@@ -840,7 +843,7 @@
             <a:fld id="{1D8BD707-D9CF-40AE-B4C6-C98DA3205C09}" type="datetimeFigureOut">
               <a:rPr lang="en-US" smtClean="0"/>
               <a:pPr/>
-              <a:t>5/19/2025</a:t>
+              <a:t>5/20/25</a:t>
             </a:fld>
             <a:endParaRPr lang="en-US"/>
           </a:p>
@@ -1082,7 +1085,7 @@
             <a:fld id="{1D8BD707-D9CF-40AE-B4C6-C98DA3205C09}" type="datetimeFigureOut">
               <a:rPr lang="en-US" smtClean="0"/>
               <a:pPr/>
-              <a:t>5/19/2025</a:t>
+              <a:t>5/20/25</a:t>
             </a:fld>
             <a:endParaRPr lang="en-US"/>
           </a:p>
@@ -1364,7 +1367,7 @@
             <a:fld id="{1D8BD707-D9CF-40AE-B4C6-C98DA3205C09}" type="datetimeFigureOut">
               <a:rPr lang="en-US" smtClean="0"/>
               <a:pPr/>
-              <a:t>5/19/2025</a:t>
+              <a:t>5/20/25</a:t>
             </a:fld>
             <a:endParaRPr lang="en-US"/>
           </a:p>
@@ -1780,7 +1783,7 @@
             <a:fld id="{1D8BD707-D9CF-40AE-B4C6-C98DA3205C09}" type="datetimeFigureOut">
               <a:rPr lang="en-US" smtClean="0"/>
               <a:pPr/>
-              <a:t>5/19/2025</a:t>
+              <a:t>5/20/25</a:t>
             </a:fld>
             <a:endParaRPr lang="en-US"/>
           </a:p>
@@ -1894,7 +1897,7 @@
             <a:fld id="{1D8BD707-D9CF-40AE-B4C6-C98DA3205C09}" type="datetimeFigureOut">
               <a:rPr lang="en-US" smtClean="0"/>
               <a:pPr/>
-              <a:t>5/19/2025</a:t>
+              <a:t>5/20/25</a:t>
             </a:fld>
             <a:endParaRPr lang="en-US"/>
           </a:p>
@@ -1986,7 +1989,7 @@
             <a:fld id="{1D8BD707-D9CF-40AE-B4C6-C98DA3205C09}" type="datetimeFigureOut">
               <a:rPr lang="en-US" smtClean="0"/>
               <a:pPr/>
-              <a:t>5/19/2025</a:t>
+              <a:t>5/20/25</a:t>
             </a:fld>
             <a:endParaRPr lang="en-US"/>
           </a:p>
@@ -2258,7 +2261,7 @@
             <a:fld id="{1D8BD707-D9CF-40AE-B4C6-C98DA3205C09}" type="datetimeFigureOut">
               <a:rPr lang="en-US" smtClean="0"/>
               <a:pPr/>
-              <a:t>5/19/2025</a:t>
+              <a:t>5/20/25</a:t>
             </a:fld>
             <a:endParaRPr lang="en-US"/>
           </a:p>
@@ -2507,7 +2510,7 @@
             <a:fld id="{1D8BD707-D9CF-40AE-B4C6-C98DA3205C09}" type="datetimeFigureOut">
               <a:rPr lang="en-US" smtClean="0"/>
               <a:pPr/>
-              <a:t>5/19/2025</a:t>
+              <a:t>5/20/25</a:t>
             </a:fld>
             <a:endParaRPr lang="en-US"/>
           </a:p>
@@ -2715,7 +2718,7 @@
             <a:fld id="{1D8BD707-D9CF-40AE-B4C6-C98DA3205C09}" type="datetimeFigureOut">
               <a:rPr lang="en-US" smtClean="0"/>
               <a:pPr/>
-              <a:t>5/19/2025</a:t>
+              <a:t>5/20/25</a:t>
             </a:fld>
             <a:endParaRPr lang="en-US"/>
           </a:p>
@@ -3157,6 +3160,13 @@
             </a:stretch>
           </a:blipFill>
         </p:spPr>
+        <p:txBody>
+          <a:bodyPr/>
+          <a:lstStyle/>
+          <a:p>
+            <a:endParaRPr lang="en-US"/>
+          </a:p>
+        </p:txBody>
       </p:sp>
       <p:sp>
         <p:nvSpPr>
@@ -3209,6 +3219,13 @@
             </a:stretch>
           </a:blipFill>
         </p:spPr>
+        <p:txBody>
+          <a:bodyPr/>
+          <a:lstStyle/>
+          <a:p>
+            <a:endParaRPr lang="en-US"/>
+          </a:p>
+        </p:txBody>
       </p:sp>
       <p:sp>
         <p:nvSpPr>
@@ -3426,6 +3443,13 @@
               <a:lin ang="0"/>
             </a:gradFill>
           </p:spPr>
+          <p:txBody>
+            <a:bodyPr/>
+            <a:lstStyle/>
+            <a:p>
+              <a:endParaRPr lang="en-US"/>
+            </a:p>
+          </p:txBody>
         </p:sp>
         <p:sp>
           <p:nvSpPr>
@@ -3612,6 +3636,13 @@
               <a:lin ang="0"/>
             </a:gradFill>
           </p:spPr>
+          <p:txBody>
+            <a:bodyPr/>
+            <a:lstStyle/>
+            <a:p>
+              <a:endParaRPr lang="en-US"/>
+            </a:p>
+          </p:txBody>
         </p:sp>
         <p:sp>
           <p:nvSpPr>
@@ -3712,6 +3743,13 @@
               <a:lin ang="0"/>
             </a:gradFill>
           </p:spPr>
+          <p:txBody>
+            <a:bodyPr/>
+            <a:lstStyle/>
+            <a:p>
+              <a:endParaRPr lang="en-US"/>
+            </a:p>
+          </p:txBody>
         </p:sp>
         <p:sp>
           <p:nvSpPr>
@@ -3794,6 +3832,13 @@
             </a:stretch>
           </a:blipFill>
         </p:spPr>
+        <p:txBody>
+          <a:bodyPr/>
+          <a:lstStyle/>
+          <a:p>
+            <a:endParaRPr lang="en-US"/>
+          </a:p>
+        </p:txBody>
       </p:sp>
       <p:grpSp>
         <p:nvGrpSpPr>
@@ -3871,6 +3916,13 @@
               <a:lin ang="5400000"/>
             </a:gradFill>
           </p:spPr>
+          <p:txBody>
+            <a:bodyPr/>
+            <a:lstStyle/>
+            <a:p>
+              <a:endParaRPr lang="en-US"/>
+            </a:p>
+          </p:txBody>
         </p:sp>
         <p:sp>
           <p:nvSpPr>
@@ -4391,6 +4443,13 @@
               <a:lin ang="0"/>
             </a:gradFill>
           </p:spPr>
+          <p:txBody>
+            <a:bodyPr/>
+            <a:lstStyle/>
+            <a:p>
+              <a:endParaRPr lang="en-US"/>
+            </a:p>
+          </p:txBody>
         </p:sp>
         <p:sp>
           <p:nvSpPr>
@@ -4491,6 +4550,13 @@
               <a:lin ang="0"/>
             </a:gradFill>
           </p:spPr>
+          <p:txBody>
+            <a:bodyPr/>
+            <a:lstStyle/>
+            <a:p>
+              <a:endParaRPr lang="en-US"/>
+            </a:p>
+          </p:txBody>
         </p:sp>
         <p:sp>
           <p:nvSpPr>
@@ -4691,6 +4757,13 @@
               <a:lin ang="5400000"/>
             </a:gradFill>
           </p:spPr>
+          <p:txBody>
+            <a:bodyPr/>
+            <a:lstStyle/>
+            <a:p>
+              <a:endParaRPr lang="en-US"/>
+            </a:p>
+          </p:txBody>
         </p:sp>
         <p:sp>
           <p:nvSpPr>
@@ -4797,6 +4870,13 @@
               <a:lin ang="5400000"/>
             </a:gradFill>
           </p:spPr>
+          <p:txBody>
+            <a:bodyPr/>
+            <a:lstStyle/>
+            <a:p>
+              <a:endParaRPr lang="en-US"/>
+            </a:p>
+          </p:txBody>
         </p:sp>
         <p:sp>
           <p:nvSpPr>
@@ -4878,6 +4958,13 @@
             </a:stretch>
           </a:blipFill>
         </p:spPr>
+        <p:txBody>
+          <a:bodyPr/>
+          <a:lstStyle/>
+          <a:p>
+            <a:endParaRPr lang="en-US"/>
+          </a:p>
+        </p:txBody>
       </p:sp>
       <p:grpSp>
         <p:nvGrpSpPr>
@@ -4967,6 +5054,13 @@
               <a:lin ang="5400000"/>
             </a:gradFill>
           </p:spPr>
+          <p:txBody>
+            <a:bodyPr/>
+            <a:lstStyle/>
+            <a:p>
+              <a:endParaRPr lang="en-US"/>
+            </a:p>
+          </p:txBody>
         </p:sp>
         <p:sp>
           <p:nvSpPr>
@@ -5091,6 +5185,13 @@
               <a:lin ang="5400000"/>
             </a:gradFill>
           </p:spPr>
+          <p:txBody>
+            <a:bodyPr/>
+            <a:lstStyle/>
+            <a:p>
+              <a:endParaRPr lang="en-US"/>
+            </a:p>
+          </p:txBody>
         </p:sp>
         <p:sp>
           <p:nvSpPr>
@@ -5142,7 +5243,7 @@
         <p:spPr>
           <a:xfrm>
             <a:off x="1213583" y="1683726"/>
-            <a:ext cx="10712449" cy="8833187"/>
+            <a:ext cx="10712449" cy="8340745"/>
           </a:xfrm>
           <a:prstGeom prst="rect">
             <a:avLst/>
@@ -5255,49 +5356,7 @@
               </a:rPr>
               <a:t>Replaced with most frequent category</a:t>
             </a:r>
-            <a:endParaRPr lang="en-US" b="1">
-              <a:solidFill>
-                <a:schemeClr val="bg1"/>
-              </a:solidFill>
-              <a:ea typeface="+mn-lt"/>
-              <a:cs typeface="+mn-lt"/>
-            </a:endParaRPr>
-          </a:p>
-          <a:p>
-            <a:pPr marL="285750" lvl="1" indent="-285750">
-              <a:buFont typeface="Arial"/>
-              <a:buChar char="•"/>
-            </a:pPr>
-            <a:r>
-              <a:rPr lang="en-US" sz="3200" b="1" dirty="0">
-                <a:solidFill>
-                  <a:schemeClr val="bg1"/>
-                </a:solidFill>
-                <a:ea typeface="+mn-lt"/>
-                <a:cs typeface="+mn-lt"/>
-              </a:rPr>
-              <a:t>Or grouped as </a:t>
-            </a:r>
-            <a:r>
-              <a:rPr lang="en-US" sz="3200" b="1" dirty="0">
-                <a:solidFill>
-                  <a:schemeClr val="bg1"/>
-                </a:solidFill>
-                <a:latin typeface="Consolas"/>
-              </a:rPr>
-              <a:t>"Other"</a:t>
-            </a:r>
-            <a:r>
-              <a:rPr lang="en-US" sz="3200" b="1" dirty="0">
-                <a:solidFill>
-                  <a:schemeClr val="bg1"/>
-                </a:solidFill>
-                <a:ea typeface="+mn-lt"/>
-                <a:cs typeface="+mn-lt"/>
-              </a:rPr>
-              <a:t> when appropriate</a:t>
-            </a:r>
-            <a:endParaRPr lang="en-US" b="1">
+            <a:endParaRPr lang="en-US" b="1" dirty="0">
               <a:solidFill>
                 <a:schemeClr val="bg1"/>
               </a:solidFill>
@@ -5348,7 +5407,7 @@
               </a:rPr>
               <a:t>Ensured overall data consistency</a:t>
             </a:r>
-            <a:endParaRPr lang="en-US" b="1">
+            <a:endParaRPr lang="en-US" b="1" dirty="0">
               <a:solidFill>
                 <a:schemeClr val="bg1"/>
               </a:solidFill>
@@ -5360,7 +5419,7 @@
             <a:br>
               <a:rPr lang="en-US" dirty="0"/>
             </a:br>
-            <a:endParaRPr lang="en-US" b="1">
+            <a:endParaRPr lang="en-US" b="1" dirty="0">
               <a:solidFill>
                 <a:schemeClr val="bg1"/>
               </a:solidFill>
@@ -5410,7 +5469,7 @@
               <a:t>Categorical Variables → Encoded with </a:t>
             </a:r>
             <a:r>
-              <a:rPr lang="en-US" sz="3200" b="1" err="1">
+              <a:rPr lang="en-US" sz="3200" b="1" dirty="0" err="1">
                 <a:solidFill>
                   <a:schemeClr val="bg1"/>
                 </a:solidFill>
@@ -5418,7 +5477,7 @@
               </a:rPr>
               <a:t>OneHotEncoder</a:t>
             </a:r>
-            <a:endParaRPr lang="en-US" b="1">
+            <a:endParaRPr lang="en-US" b="1" dirty="0">
               <a:solidFill>
                 <a:schemeClr val="bg1"/>
               </a:solidFill>
@@ -5442,7 +5501,7 @@
               <a:t>Numerical Features → Scaled using </a:t>
             </a:r>
             <a:r>
-              <a:rPr lang="en-US" sz="3200" b="1" err="1">
+              <a:rPr lang="en-US" sz="3200" b="1" dirty="0" err="1">
                 <a:solidFill>
                   <a:schemeClr val="bg1"/>
                 </a:solidFill>
@@ -5450,7 +5509,7 @@
               </a:rPr>
               <a:t>StandardScaler</a:t>
             </a:r>
-            <a:endParaRPr lang="en-US" b="1">
+            <a:endParaRPr lang="en-US" b="1" dirty="0">
               <a:solidFill>
                 <a:schemeClr val="bg1"/>
               </a:solidFill>
@@ -5539,7 +5598,7 @@
               </a:rPr>
               <a:t>0</a:t>
             </a:r>
-            <a:endParaRPr lang="en-US" b="1">
+            <a:endParaRPr lang="en-US" b="1" dirty="0">
               <a:solidFill>
                 <a:schemeClr val="bg1"/>
               </a:solidFill>
@@ -5567,7 +5626,7 @@
               </a:rPr>
               <a:t> Result: Cleaned and standardized dataset ready for modeling</a:t>
             </a:r>
-            <a:endParaRPr lang="en-US" b="1">
+            <a:endParaRPr lang="en-US" b="1" dirty="0">
               <a:solidFill>
                 <a:schemeClr val="bg1"/>
               </a:solidFill>
@@ -5654,6 +5713,13 @@
             <a:lin ang="5400000"/>
           </a:gradFill>
         </p:spPr>
+        <p:txBody>
+          <a:bodyPr/>
+          <a:lstStyle/>
+          <a:p>
+            <a:endParaRPr lang="en-US"/>
+          </a:p>
+        </p:txBody>
       </p:sp>
     </p:spTree>
   </p:cSld>
@@ -5770,6 +5836,13 @@
               <a:lin ang="0"/>
             </a:gradFill>
           </p:spPr>
+          <p:txBody>
+            <a:bodyPr/>
+            <a:lstStyle/>
+            <a:p>
+              <a:endParaRPr lang="en-US"/>
+            </a:p>
+          </p:txBody>
         </p:sp>
         <p:sp>
           <p:nvSpPr>
@@ -5870,6 +5943,13 @@
               <a:lin ang="0"/>
             </a:gradFill>
           </p:spPr>
+          <p:txBody>
+            <a:bodyPr/>
+            <a:lstStyle/>
+            <a:p>
+              <a:endParaRPr lang="en-US"/>
+            </a:p>
+          </p:txBody>
         </p:sp>
         <p:sp>
           <p:nvSpPr>
@@ -6368,6 +6448,13 @@
             </a:stretch>
           </a:blipFill>
         </p:spPr>
+        <p:txBody>
+          <a:bodyPr/>
+          <a:lstStyle/>
+          <a:p>
+            <a:endParaRPr lang="en-US"/>
+          </a:p>
+        </p:txBody>
       </p:sp>
       <p:grpSp>
         <p:nvGrpSpPr>
@@ -6457,6 +6544,13 @@
               <a:lin ang="5400000"/>
             </a:gradFill>
           </p:spPr>
+          <p:txBody>
+            <a:bodyPr/>
+            <a:lstStyle/>
+            <a:p>
+              <a:endParaRPr lang="en-US"/>
+            </a:p>
+          </p:txBody>
         </p:sp>
         <p:sp>
           <p:nvSpPr>
@@ -6551,6 +6645,13 @@
             </a:stretch>
           </a:blipFill>
         </p:spPr>
+        <p:txBody>
+          <a:bodyPr/>
+          <a:lstStyle/>
+          <a:p>
+            <a:endParaRPr lang="en-US"/>
+          </a:p>
+        </p:txBody>
       </p:sp>
       <p:sp>
         <p:nvSpPr>
@@ -6603,6 +6704,13 @@
             </a:stretch>
           </a:blipFill>
         </p:spPr>
+        <p:txBody>
+          <a:bodyPr/>
+          <a:lstStyle/>
+          <a:p>
+            <a:endParaRPr lang="en-US"/>
+          </a:p>
+        </p:txBody>
       </p:sp>
       <p:sp>
         <p:nvSpPr>
@@ -6661,6 +6769,13 @@
             </a:stretch>
           </a:blipFill>
         </p:spPr>
+        <p:txBody>
+          <a:bodyPr/>
+          <a:lstStyle/>
+          <a:p>
+            <a:endParaRPr lang="en-US"/>
+          </a:p>
+        </p:txBody>
       </p:sp>
     </p:spTree>
   </p:cSld>
@@ -6777,6 +6892,13 @@
               <a:lin ang="0"/>
             </a:gradFill>
           </p:spPr>
+          <p:txBody>
+            <a:bodyPr/>
+            <a:lstStyle/>
+            <a:p>
+              <a:endParaRPr lang="en-US"/>
+            </a:p>
+          </p:txBody>
         </p:sp>
         <p:sp>
           <p:nvSpPr>
@@ -6877,6 +6999,13 @@
               <a:lin ang="0"/>
             </a:gradFill>
           </p:spPr>
+          <p:txBody>
+            <a:bodyPr/>
+            <a:lstStyle/>
+            <a:p>
+              <a:endParaRPr lang="en-US"/>
+            </a:p>
+          </p:txBody>
         </p:sp>
         <p:sp>
           <p:nvSpPr>
@@ -7372,6 +7501,13 @@
             </a:stretch>
           </a:blipFill>
         </p:spPr>
+        <p:txBody>
+          <a:bodyPr/>
+          <a:lstStyle/>
+          <a:p>
+            <a:endParaRPr lang="en-US"/>
+          </a:p>
+        </p:txBody>
       </p:sp>
       <p:sp>
         <p:nvSpPr>
@@ -7612,6 +7748,13 @@
               <a:lin ang="0"/>
             </a:gradFill>
           </p:spPr>
+          <p:txBody>
+            <a:bodyPr/>
+            <a:lstStyle/>
+            <a:p>
+              <a:endParaRPr lang="en-US"/>
+            </a:p>
+          </p:txBody>
         </p:sp>
         <p:sp>
           <p:nvSpPr>
@@ -7712,6 +7855,13 @@
               <a:lin ang="0"/>
             </a:gradFill>
           </p:spPr>
+          <p:txBody>
+            <a:bodyPr/>
+            <a:lstStyle/>
+            <a:p>
+              <a:endParaRPr lang="en-US"/>
+            </a:p>
+          </p:txBody>
         </p:sp>
         <p:sp>
           <p:nvSpPr>
@@ -7794,6 +7944,13 @@
             </a:stretch>
           </a:blipFill>
         </p:spPr>
+        <p:txBody>
+          <a:bodyPr/>
+          <a:lstStyle/>
+          <a:p>
+            <a:endParaRPr lang="en-US"/>
+          </a:p>
+        </p:txBody>
       </p:sp>
       <p:sp>
         <p:nvSpPr>
@@ -7846,6 +8003,13 @@
             </a:stretch>
           </a:blipFill>
         </p:spPr>
+        <p:txBody>
+          <a:bodyPr/>
+          <a:lstStyle/>
+          <a:p>
+            <a:endParaRPr lang="en-US"/>
+          </a:p>
+        </p:txBody>
       </p:sp>
       <p:sp>
         <p:nvSpPr>
@@ -7898,6 +8062,13 @@
             </a:stretch>
           </a:blipFill>
         </p:spPr>
+        <p:txBody>
+          <a:bodyPr/>
+          <a:lstStyle/>
+          <a:p>
+            <a:endParaRPr lang="en-US"/>
+          </a:p>
+        </p:txBody>
       </p:sp>
       <p:sp>
         <p:nvSpPr>
@@ -8052,6 +8223,13 @@
             </a:stretch>
           </a:blipFill>
         </p:spPr>
+        <p:txBody>
+          <a:bodyPr/>
+          <a:lstStyle/>
+          <a:p>
+            <a:endParaRPr lang="en-US"/>
+          </a:p>
+        </p:txBody>
       </p:sp>
       <p:sp>
         <p:nvSpPr>
@@ -8068,7 +8246,7 @@
         <p:spPr>
           <a:xfrm>
             <a:off x="171938" y="1372332"/>
-            <a:ext cx="18115083" cy="7971413"/>
+            <a:ext cx="18115083" cy="4031873"/>
           </a:xfrm>
           <a:prstGeom prst="rect">
             <a:avLst/>
@@ -8166,75 +8344,6 @@
             </a:endParaRPr>
           </a:p>
           <a:p>
-            <a:pPr marL="285750" indent="-285750">
-              <a:buFont typeface="Arial"/>
-              <a:buChar char="•"/>
-            </a:pPr>
-            <a:r>
-              <a:rPr lang="en-US" sz="3200" b="1" dirty="0">
-                <a:solidFill>
-                  <a:schemeClr val="bg1"/>
-                </a:solidFill>
-                <a:ea typeface="+mn-lt"/>
-                <a:cs typeface="+mn-lt"/>
-              </a:rPr>
-              <a:t>Combining Related Features:</a:t>
-            </a:r>
-            <a:endParaRPr lang="en-US" dirty="0">
-              <a:solidFill>
-                <a:schemeClr val="bg1"/>
-              </a:solidFill>
-              <a:ea typeface="Calibri"/>
-              <a:cs typeface="Calibri"/>
-            </a:endParaRPr>
-          </a:p>
-          <a:p>
-            <a:pPr marL="285750" indent="-285750">
-              <a:buFont typeface="Arial"/>
-              <a:buChar char="•"/>
-            </a:pPr>
-            <a:r>
-              <a:rPr lang="en-US" sz="3200" b="1" dirty="0">
-                <a:solidFill>
-                  <a:schemeClr val="bg1"/>
-                </a:solidFill>
-                <a:ea typeface="+mn-lt"/>
-                <a:cs typeface="+mn-lt"/>
-              </a:rPr>
-              <a:t>Binning Numerical Features:</a:t>
-            </a:r>
-            <a:endParaRPr lang="en-US" dirty="0">
-              <a:solidFill>
-                <a:schemeClr val="bg1"/>
-              </a:solidFill>
-              <a:ea typeface="Calibri"/>
-              <a:cs typeface="Calibri"/>
-            </a:endParaRPr>
-          </a:p>
-          <a:p>
-            <a:pPr marL="285750" indent="-285750">
-              <a:buFont typeface="Arial"/>
-              <a:buChar char="•"/>
-            </a:pPr>
-            <a:r>
-              <a:rPr lang="en-US" sz="3200" b="1" dirty="0">
-                <a:solidFill>
-                  <a:schemeClr val="bg1"/>
-                </a:solidFill>
-                <a:ea typeface="+mn-lt"/>
-                <a:cs typeface="+mn-lt"/>
-              </a:rPr>
-              <a:t>Derived Features:</a:t>
-            </a:r>
-            <a:endParaRPr lang="en-US" dirty="0">
-              <a:solidFill>
-                <a:schemeClr val="bg1"/>
-              </a:solidFill>
-              <a:ea typeface="Calibri"/>
-              <a:cs typeface="Calibri"/>
-            </a:endParaRPr>
-          </a:p>
-          <a:p>
             <a:pPr>
               <a:buFont typeface="Arial"/>
             </a:pPr>
@@ -8273,113 +8382,12 @@
               </a:rPr>
               <a:t>Created new binary feature:</a:t>
             </a:r>
-            <a:endParaRPr lang="en-US" b="1">
+            <a:endParaRPr lang="en-US" b="1" dirty="0">
               <a:solidFill>
                 <a:schemeClr val="bg1"/>
               </a:solidFill>
               <a:ea typeface="+mn-lt"/>
               <a:cs typeface="+mn-lt"/>
-            </a:endParaRPr>
-          </a:p>
-          <a:p>
-            <a:pPr>
-              <a:buFont typeface="Arial"/>
-              <a:buChar char="•"/>
-            </a:pPr>
-            <a:r>
-              <a:rPr lang="en-US" sz="3200" b="1" dirty="0">
-                <a:solidFill>
-                  <a:schemeClr val="bg1"/>
-                </a:solidFill>
-                <a:ea typeface="+mn-lt"/>
-                <a:cs typeface="+mn-lt"/>
-              </a:rPr>
-              <a:t>Grouped job types into broader categories (e.g., blue-collar, white-collar)</a:t>
-            </a:r>
-            <a:endParaRPr lang="en-US" b="1">
-              <a:solidFill>
-                <a:schemeClr val="bg1"/>
-              </a:solidFill>
-              <a:ea typeface="Calibri"/>
-              <a:cs typeface="Calibri"/>
-            </a:endParaRPr>
-          </a:p>
-          <a:p>
-            <a:pPr>
-              <a:buFont typeface="Arial"/>
-              <a:buChar char="•"/>
-            </a:pPr>
-            <a:r>
-              <a:rPr lang="en-US" sz="3200" b="1" dirty="0">
-                <a:solidFill>
-                  <a:schemeClr val="bg1"/>
-                </a:solidFill>
-                <a:ea typeface="+mn-lt"/>
-                <a:cs typeface="+mn-lt"/>
-              </a:rPr>
-              <a:t>Dropped or transformed features with low variance or high correlation</a:t>
-            </a:r>
-            <a:endParaRPr lang="en-US" b="1">
-              <a:solidFill>
-                <a:schemeClr val="bg1"/>
-              </a:solidFill>
-              <a:ea typeface="Calibri"/>
-              <a:cs typeface="Calibri"/>
-            </a:endParaRPr>
-          </a:p>
-          <a:p>
-            <a:pPr>
-              <a:buFont typeface="Arial"/>
-              <a:buChar char="•"/>
-            </a:pPr>
-            <a:r>
-              <a:rPr lang="en-US" sz="3200" b="1" dirty="0">
-                <a:solidFill>
-                  <a:schemeClr val="bg1"/>
-                </a:solidFill>
-                <a:ea typeface="+mn-lt"/>
-                <a:cs typeface="+mn-lt"/>
-              </a:rPr>
-              <a:t>Handled duration carefully (excluded in training to prevent data leakage)</a:t>
-            </a:r>
-            <a:endParaRPr lang="en-US" b="1" dirty="0">
-              <a:solidFill>
-                <a:schemeClr val="bg1"/>
-              </a:solidFill>
-              <a:ea typeface="Calibri"/>
-              <a:cs typeface="Calibri"/>
-            </a:endParaRPr>
-          </a:p>
-          <a:p>
-            <a:pPr>
-              <a:buFont typeface="Arial"/>
-              <a:buChar char="•"/>
-            </a:pPr>
-            <a:endParaRPr lang="en-US" sz="3200" b="1" dirty="0">
-              <a:solidFill>
-                <a:schemeClr val="bg1"/>
-              </a:solidFill>
-              <a:ea typeface="+mn-lt"/>
-              <a:cs typeface="+mn-lt"/>
-            </a:endParaRPr>
-          </a:p>
-          <a:p>
-            <a:r>
-              <a:rPr lang="en-US" sz="3200" b="1" dirty="0">
-                <a:solidFill>
-                  <a:schemeClr val="bg1"/>
-                </a:solidFill>
-                <a:ea typeface="+mn-lt"/>
-                <a:cs typeface="+mn-lt"/>
-              </a:rPr>
-              <a:t>Impact: Helped models focus on more predictive and interpretable variables</a:t>
-            </a:r>
-            <a:endParaRPr lang="en-US" b="1">
-              <a:solidFill>
-                <a:schemeClr val="bg1"/>
-              </a:solidFill>
-              <a:ea typeface="Calibri"/>
-              <a:cs typeface="Calibri"/>
             </a:endParaRPr>
           </a:p>
           <a:p>
@@ -8512,6 +8520,13 @@
               <a:lin ang="0"/>
             </a:gradFill>
           </p:spPr>
+          <p:txBody>
+            <a:bodyPr/>
+            <a:lstStyle/>
+            <a:p>
+              <a:endParaRPr lang="en-US"/>
+            </a:p>
+          </p:txBody>
         </p:sp>
         <p:sp>
           <p:nvSpPr>
@@ -8612,6 +8627,13 @@
               <a:lin ang="0"/>
             </a:gradFill>
           </p:spPr>
+          <p:txBody>
+            <a:bodyPr/>
+            <a:lstStyle/>
+            <a:p>
+              <a:endParaRPr lang="en-US"/>
+            </a:p>
+          </p:txBody>
         </p:sp>
         <p:sp>
           <p:nvSpPr>
@@ -8710,7 +8732,7 @@
               </a:lnSpc>
             </a:pPr>
             <a:r>
-              <a:rPr lang="en-US" sz="14403" b="1">
+              <a:rPr lang="en-US" sz="14403" b="1" dirty="0">
                 <a:solidFill>
                   <a:srgbClr val="FFFFFF"/>
                 </a:solidFill>
@@ -8844,6 +8866,13 @@
               <a:lin ang="0"/>
             </a:gradFill>
           </p:spPr>
+          <p:txBody>
+            <a:bodyPr/>
+            <a:lstStyle/>
+            <a:p>
+              <a:endParaRPr lang="en-US"/>
+            </a:p>
+          </p:txBody>
         </p:sp>
         <p:sp>
           <p:nvSpPr>
